--- a/Présentation Service de covoiturage.pptx
+++ b/Présentation Service de covoiturage.pptx
@@ -124,14 +124,6 @@
     </p:ext>
   </p:extLst>
 </p:presentation>
-</file>
-
-<file path=ppt/revisionInfo.xml><?xml version="1.0" encoding="utf-8"?>
-<p1510:revInfo xmlns:a="http://schemas.openxmlformats.org/drawingml/2006/main" xmlns:r="http://schemas.openxmlformats.org/officeDocument/2006/relationships" xmlns:p1510="http://schemas.microsoft.com/office/powerpoint/2015/10/main">
-  <p1510:revLst>
-    <p1510:client id="{03C50369-FEF1-4B73-85BF-BDDE73BD008A}" v="383" dt="2023-12-15T22:51:24.833"/>
-  </p1510:revLst>
-</p1510:revInfo>
 </file>
 
 <file path=ppt/changesInfos/changesInfo1.xml><?xml version="1.0" encoding="utf-8"?>
@@ -655,7 +647,7 @@
   <pc:docChgLst>
     <pc:chgData name="Mousseau Langevin Gabriel" userId="8ad8209d-1147-4c9d-8265-400daa520498" providerId="ADAL" clId="{CC418E3B-E1D9-449A-92A4-D6AFD78A686C}"/>
     <pc:docChg chg="undo custSel modSld">
-      <pc:chgData name="Mousseau Langevin Gabriel" userId="8ad8209d-1147-4c9d-8265-400daa520498" providerId="ADAL" clId="{CC418E3B-E1D9-449A-92A4-D6AFD78A686C}" dt="2023-12-16T16:48:23.660" v="668" actId="20577"/>
+      <pc:chgData name="Mousseau Langevin Gabriel" userId="8ad8209d-1147-4c9d-8265-400daa520498" providerId="ADAL" clId="{CC418E3B-E1D9-449A-92A4-D6AFD78A686C}" dt="2023-12-20T20:09:11.158" v="679" actId="20577"/>
       <pc:docMkLst>
         <pc:docMk/>
       </pc:docMkLst>
@@ -844,13 +836,13 @@
         </pc:spChg>
       </pc:sldChg>
       <pc:sldChg chg="modSp mod">
-        <pc:chgData name="Mousseau Langevin Gabriel" userId="8ad8209d-1147-4c9d-8265-400daa520498" providerId="ADAL" clId="{CC418E3B-E1D9-449A-92A4-D6AFD78A686C}" dt="2023-12-16T16:33:39.484" v="48" actId="20577"/>
+        <pc:chgData name="Mousseau Langevin Gabriel" userId="8ad8209d-1147-4c9d-8265-400daa520498" providerId="ADAL" clId="{CC418E3B-E1D9-449A-92A4-D6AFD78A686C}" dt="2023-12-20T20:09:11.158" v="679" actId="20577"/>
         <pc:sldMkLst>
           <pc:docMk/>
           <pc:sldMk cId="3386922970" sldId="268"/>
         </pc:sldMkLst>
         <pc:spChg chg="mod">
-          <ac:chgData name="Mousseau Langevin Gabriel" userId="8ad8209d-1147-4c9d-8265-400daa520498" providerId="ADAL" clId="{CC418E3B-E1D9-449A-92A4-D6AFD78A686C}" dt="2023-12-16T16:33:39.484" v="48" actId="20577"/>
+          <ac:chgData name="Mousseau Langevin Gabriel" userId="8ad8209d-1147-4c9d-8265-400daa520498" providerId="ADAL" clId="{CC418E3B-E1D9-449A-92A4-D6AFD78A686C}" dt="2023-12-20T20:09:11.158" v="679" actId="20577"/>
           <ac:spMkLst>
             <pc:docMk/>
             <pc:sldMk cId="3386922970" sldId="268"/>
@@ -1157,7 +1149,7 @@
           <a:p>
             <a:fld id="{2F0A0596-8245-4D6C-A399-C4C57A12BC8B}" type="datetimeFigureOut">
               <a:rPr lang="fr-CA" smtClean="0"/>
-              <a:t>2023-12-19</a:t>
+              <a:t>2023-12-20</a:t>
             </a:fld>
             <a:endParaRPr lang="fr-CA" dirty="0"/>
           </a:p>
@@ -1678,7 +1670,7 @@
           <a:p>
             <a:fld id="{1FD40F63-D3DB-43BA-83B7-A8994C594D50}" type="datetimeFigureOut">
               <a:rPr lang="fr-CA" smtClean="0"/>
-              <a:t>2023-12-19</a:t>
+              <a:t>2023-12-20</a:t>
             </a:fld>
             <a:endParaRPr lang="fr-CA" dirty="0"/>
           </a:p>
@@ -2008,7 +2000,7 @@
           <a:p>
             <a:fld id="{1FD40F63-D3DB-43BA-83B7-A8994C594D50}" type="datetimeFigureOut">
               <a:rPr lang="fr-CA" smtClean="0"/>
-              <a:t>2023-12-19</a:t>
+              <a:t>2023-12-20</a:t>
             </a:fld>
             <a:endParaRPr lang="fr-CA" dirty="0"/>
           </a:p>
@@ -2188,7 +2180,7 @@
           <a:p>
             <a:fld id="{1FD40F63-D3DB-43BA-83B7-A8994C594D50}" type="datetimeFigureOut">
               <a:rPr lang="fr-CA" smtClean="0"/>
-              <a:t>2023-12-19</a:t>
+              <a:t>2023-12-20</a:t>
             </a:fld>
             <a:endParaRPr lang="fr-CA" dirty="0"/>
           </a:p>
@@ -2358,7 +2350,7 @@
           <a:p>
             <a:fld id="{1FD40F63-D3DB-43BA-83B7-A8994C594D50}" type="datetimeFigureOut">
               <a:rPr lang="fr-CA" smtClean="0"/>
-              <a:t>2023-12-19</a:t>
+              <a:t>2023-12-20</a:t>
             </a:fld>
             <a:endParaRPr lang="fr-CA" dirty="0"/>
           </a:p>
@@ -2635,7 +2627,7 @@
           <a:p>
             <a:fld id="{1FD40F63-D3DB-43BA-83B7-A8994C594D50}" type="datetimeFigureOut">
               <a:rPr lang="fr-CA" smtClean="0"/>
-              <a:t>2023-12-19</a:t>
+              <a:t>2023-12-20</a:t>
             </a:fld>
             <a:endParaRPr lang="fr-CA" dirty="0"/>
           </a:p>
@@ -3029,7 +3021,7 @@
           <a:p>
             <a:fld id="{1FD40F63-D3DB-43BA-83B7-A8994C594D50}" type="datetimeFigureOut">
               <a:rPr lang="fr-CA" smtClean="0"/>
-              <a:t>2023-12-19</a:t>
+              <a:t>2023-12-20</a:t>
             </a:fld>
             <a:endParaRPr lang="fr-CA" dirty="0"/>
           </a:p>
@@ -3506,7 +3498,7 @@
           <a:p>
             <a:fld id="{1FD40F63-D3DB-43BA-83B7-A8994C594D50}" type="datetimeFigureOut">
               <a:rPr lang="fr-CA" smtClean="0"/>
-              <a:t>2023-12-19</a:t>
+              <a:t>2023-12-20</a:t>
             </a:fld>
             <a:endParaRPr lang="fr-CA" dirty="0"/>
           </a:p>
@@ -3624,7 +3616,7 @@
           <a:p>
             <a:fld id="{1FD40F63-D3DB-43BA-83B7-A8994C594D50}" type="datetimeFigureOut">
               <a:rPr lang="fr-CA" smtClean="0"/>
-              <a:t>2023-12-19</a:t>
+              <a:t>2023-12-20</a:t>
             </a:fld>
             <a:endParaRPr lang="fr-CA" dirty="0"/>
           </a:p>
@@ -3719,7 +3711,7 @@
           <a:p>
             <a:fld id="{1FD40F63-D3DB-43BA-83B7-A8994C594D50}" type="datetimeFigureOut">
               <a:rPr lang="fr-CA" smtClean="0"/>
-              <a:t>2023-12-19</a:t>
+              <a:t>2023-12-20</a:t>
             </a:fld>
             <a:endParaRPr lang="fr-CA" dirty="0"/>
           </a:p>
@@ -4065,7 +4057,7 @@
           <a:p>
             <a:fld id="{1FD40F63-D3DB-43BA-83B7-A8994C594D50}" type="datetimeFigureOut">
               <a:rPr lang="fr-CA" smtClean="0"/>
-              <a:t>2023-12-19</a:t>
+              <a:t>2023-12-20</a:t>
             </a:fld>
             <a:endParaRPr lang="fr-CA" dirty="0"/>
           </a:p>
@@ -4453,7 +4445,7 @@
           <a:p>
             <a:fld id="{1FD40F63-D3DB-43BA-83B7-A8994C594D50}" type="datetimeFigureOut">
               <a:rPr lang="fr-CA" smtClean="0"/>
-              <a:t>2023-12-19</a:t>
+              <a:t>2023-12-20</a:t>
             </a:fld>
             <a:endParaRPr lang="fr-CA" dirty="0"/>
           </a:p>
@@ -4731,7 +4723,7 @@
           <a:p>
             <a:fld id="{1FD40F63-D3DB-43BA-83B7-A8994C594D50}" type="datetimeFigureOut">
               <a:rPr lang="fr-CA" smtClean="0"/>
-              <a:t>2023-12-19</a:t>
+              <a:t>2023-12-20</a:t>
             </a:fld>
             <a:endParaRPr lang="fr-CA" dirty="0"/>
           </a:p>
@@ -7040,7 +7032,7 @@
           <a:p>
             <a:r>
               <a:rPr lang="fr-CA" dirty="0"/>
-              <a:t>PUT : @PutMapping("/reservation/{idReservation}/chauffeur/{idChauffeur}/accept"). Accepter une réservation.</a:t>
+              <a:t>PUT : @PostMapping("/chauffeur/{idChauffeur}/reservation/{idReservation} "). Accepter une réservation.</a:t>
             </a:r>
           </a:p>
           <a:p>
@@ -7697,23 +7689,6 @@
 </file>
 
 <file path=customXml/item1.xml><?xml version="1.0" encoding="utf-8"?>
-<?mso-contentType ?>
-<FormTemplates xmlns="http://schemas.microsoft.com/sharepoint/v3/contenttype/forms">
-  <Display>DocumentLibraryForm</Display>
-  <Edit>DocumentLibraryForm</Edit>
-  <New>DocumentLibraryForm</New>
-</FormTemplates>
-</file>
-
-<file path=customXml/item2.xml><?xml version="1.0" encoding="utf-8"?>
-<p:properties xmlns:p="http://schemas.microsoft.com/office/2006/metadata/properties" xmlns:xsi="http://www.w3.org/2001/XMLSchema-instance" xmlns:pc="http://schemas.microsoft.com/office/infopath/2007/PartnerControls">
-  <documentManagement>
-    <_activity xmlns="23f7304b-8848-493f-ab83-92db2a59e28d" xsi:nil="true"/>
-  </documentManagement>
-</p:properties>
-</file>
-
-<file path=customXml/item3.xml><?xml version="1.0" encoding="utf-8"?>
 <ct:contentTypeSchema xmlns:ct="http://schemas.microsoft.com/office/2006/metadata/contentType" xmlns:ma="http://schemas.microsoft.com/office/2006/metadata/properties/metaAttributes" ct:_="" ma:_="" ma:contentTypeName="Document" ma:contentTypeID="0x01010092A7830618DA4044A30213547D351C8F" ma:contentTypeVersion="17" ma:contentTypeDescription="Create a new document." ma:contentTypeScope="" ma:versionID="1440fa635b49e56635e0d29996df532c">
   <xsd:schema xmlns:xsd="http://www.w3.org/2001/XMLSchema" xmlns:xs="http://www.w3.org/2001/XMLSchema" xmlns:p="http://schemas.microsoft.com/office/2006/metadata/properties" xmlns:ns3="23f7304b-8848-493f-ab83-92db2a59e28d" xmlns:ns4="45ecffe1-8bcb-4be8-8df5-75017b0ef4b7" targetNamespace="http://schemas.microsoft.com/office/2006/metadata/properties" ma:root="true" ma:fieldsID="0c92b7d29f90f5c87be4dd4e7ce4bd5f" ns3:_="" ns4:_="">
     <xsd:import namespace="23f7304b-8848-493f-ab83-92db2a59e28d"/>
@@ -7960,10 +7935,38 @@
 </ct:contentTypeSchema>
 </file>
 
+<file path=customXml/item2.xml><?xml version="1.0" encoding="utf-8"?>
+<p:properties xmlns:p="http://schemas.microsoft.com/office/2006/metadata/properties" xmlns:xsi="http://www.w3.org/2001/XMLSchema-instance" xmlns:pc="http://schemas.microsoft.com/office/infopath/2007/PartnerControls">
+  <documentManagement>
+    <_activity xmlns="23f7304b-8848-493f-ab83-92db2a59e28d" xsi:nil="true"/>
+  </documentManagement>
+</p:properties>
+</file>
+
+<file path=customXml/item3.xml><?xml version="1.0" encoding="utf-8"?>
+<?mso-contentType ?>
+<FormTemplates xmlns="http://schemas.microsoft.com/sharepoint/v3/contenttype/forms">
+  <Display>DocumentLibraryForm</Display>
+  <Edit>DocumentLibraryForm</Edit>
+  <New>DocumentLibraryForm</New>
+</FormTemplates>
+</file>
+
 <file path=customXml/itemProps1.xml><?xml version="1.0" encoding="utf-8"?>
-<ds:datastoreItem xmlns:ds="http://schemas.openxmlformats.org/officeDocument/2006/customXml" ds:itemID="{FF4532E5-B565-4FB4-8DA7-50DE3A423263}">
+<ds:datastoreItem xmlns:ds="http://schemas.openxmlformats.org/officeDocument/2006/customXml" ds:itemID="{261F82FB-668F-478D-9822-610E5A2D35C3}">
   <ds:schemaRefs>
-    <ds:schemaRef ds:uri="http://schemas.microsoft.com/sharepoint/v3/contenttype/forms"/>
+    <ds:schemaRef ds:uri="23f7304b-8848-493f-ab83-92db2a59e28d"/>
+    <ds:schemaRef ds:uri="45ecffe1-8bcb-4be8-8df5-75017b0ef4b7"/>
+    <ds:schemaRef ds:uri="http://purl.org/dc/elements/1.1/"/>
+    <ds:schemaRef ds:uri="http://purl.org/dc/terms/"/>
+    <ds:schemaRef ds:uri="http://schemas.microsoft.com/internal/obd"/>
+    <ds:schemaRef ds:uri="http://schemas.microsoft.com/office/2006/documentManagement/types"/>
+    <ds:schemaRef ds:uri="http://schemas.microsoft.com/office/2006/metadata/contentType"/>
+    <ds:schemaRef ds:uri="http://schemas.microsoft.com/office/2006/metadata/properties"/>
+    <ds:schemaRef ds:uri="http://schemas.microsoft.com/office/2006/metadata/properties/metaAttributes"/>
+    <ds:schemaRef ds:uri="http://schemas.microsoft.com/office/infopath/2007/PartnerControls"/>
+    <ds:schemaRef ds:uri="http://schemas.openxmlformats.org/package/2006/metadata/core-properties"/>
+    <ds:schemaRef ds:uri="http://www.w3.org/2001/XMLSchema"/>
   </ds:schemaRefs>
 </ds:datastoreItem>
 </file>
@@ -7986,20 +7989,9 @@
 </file>
 
 <file path=customXml/itemProps3.xml><?xml version="1.0" encoding="utf-8"?>
-<ds:datastoreItem xmlns:ds="http://schemas.openxmlformats.org/officeDocument/2006/customXml" ds:itemID="{261F82FB-668F-478D-9822-610E5A2D35C3}">
+<ds:datastoreItem xmlns:ds="http://schemas.openxmlformats.org/officeDocument/2006/customXml" ds:itemID="{FF4532E5-B565-4FB4-8DA7-50DE3A423263}">
   <ds:schemaRefs>
-    <ds:schemaRef ds:uri="23f7304b-8848-493f-ab83-92db2a59e28d"/>
-    <ds:schemaRef ds:uri="45ecffe1-8bcb-4be8-8df5-75017b0ef4b7"/>
-    <ds:schemaRef ds:uri="http://purl.org/dc/elements/1.1/"/>
-    <ds:schemaRef ds:uri="http://purl.org/dc/terms/"/>
-    <ds:schemaRef ds:uri="http://schemas.microsoft.com/internal/obd"/>
-    <ds:schemaRef ds:uri="http://schemas.microsoft.com/office/2006/documentManagement/types"/>
-    <ds:schemaRef ds:uri="http://schemas.microsoft.com/office/2006/metadata/contentType"/>
-    <ds:schemaRef ds:uri="http://schemas.microsoft.com/office/2006/metadata/properties"/>
-    <ds:schemaRef ds:uri="http://schemas.microsoft.com/office/2006/metadata/properties/metaAttributes"/>
-    <ds:schemaRef ds:uri="http://schemas.microsoft.com/office/infopath/2007/PartnerControls"/>
-    <ds:schemaRef ds:uri="http://schemas.openxmlformats.org/package/2006/metadata/core-properties"/>
-    <ds:schemaRef ds:uri="http://www.w3.org/2001/XMLSchema"/>
+    <ds:schemaRef ds:uri="http://schemas.microsoft.com/sharepoint/v3/contenttype/forms"/>
   </ds:schemaRefs>
 </ds:datastoreItem>
 </file>